--- a/07_SetupDocker.pptx
+++ b/07_SetupDocker.pptx
@@ -249,7 +249,7 @@
             <a:fld id="{6837EDA8-41C8-4B24-A206-13C08A65A6D7}" type="datetimeFigureOut">
               <a:rPr lang="zh-TW" altLang="en-US" smtClean="0"/>
               <a:pPr/>
-              <a:t>2020/4/22</a:t>
+              <a:t>2020/6/16</a:t>
             </a:fld>
             <a:endParaRPr lang="zh-TW" altLang="en-US"/>
           </a:p>
@@ -702,7 +702,7 @@
             <a:fld id="{8B85509C-BD4F-47BF-9B1E-FC2E949B3621}" type="datetime1">
               <a:rPr lang="zh-TW" altLang="en-US" smtClean="0"/>
               <a:pPr/>
-              <a:t>2020/4/22</a:t>
+              <a:t>2020/6/16</a:t>
             </a:fld>
             <a:endParaRPr lang="zh-TW" altLang="en-US"/>
           </a:p>
@@ -875,7 +875,7 @@
             <a:fld id="{42251B24-F787-4C15-8A0F-7AEC20C70069}" type="datetime1">
               <a:rPr lang="zh-TW" altLang="en-US" smtClean="0"/>
               <a:pPr/>
-              <a:t>2020/4/22</a:t>
+              <a:t>2020/6/16</a:t>
             </a:fld>
             <a:endParaRPr lang="zh-TW" altLang="en-US"/>
           </a:p>
@@ -1050,7 +1050,7 @@
             <a:fld id="{9CA0D33C-CE2B-45F1-B8D4-FFD1F131F331}" type="datetime1">
               <a:rPr lang="zh-TW" altLang="en-US" smtClean="0"/>
               <a:pPr/>
-              <a:t>2020/4/22</a:t>
+              <a:t>2020/6/16</a:t>
             </a:fld>
             <a:endParaRPr lang="zh-TW" altLang="en-US"/>
           </a:p>
@@ -1215,7 +1215,7 @@
             <a:fld id="{50B99440-D9EF-40CC-9B52-F6428D9B2C76}" type="datetime1">
               <a:rPr lang="zh-TW" altLang="en-US" smtClean="0"/>
               <a:pPr/>
-              <a:t>2020/4/22</a:t>
+              <a:t>2020/6/16</a:t>
             </a:fld>
             <a:endParaRPr lang="zh-TW" altLang="en-US"/>
           </a:p>
@@ -1457,7 +1457,7 @@
             <a:fld id="{0871BF52-5C6C-4959-8E27-CECB68D39FE4}" type="datetime1">
               <a:rPr lang="zh-TW" altLang="en-US" smtClean="0"/>
               <a:pPr/>
-              <a:t>2020/4/22</a:t>
+              <a:t>2020/6/16</a:t>
             </a:fld>
             <a:endParaRPr lang="zh-TW" altLang="en-US"/>
           </a:p>
@@ -1739,7 +1739,7 @@
             <a:fld id="{DF863F05-2DD9-4EB1-A827-12FD992DE9DC}" type="datetime1">
               <a:rPr lang="zh-TW" altLang="en-US" smtClean="0"/>
               <a:pPr/>
-              <a:t>2020/4/22</a:t>
+              <a:t>2020/6/16</a:t>
             </a:fld>
             <a:endParaRPr lang="zh-TW" altLang="en-US"/>
           </a:p>
@@ -2155,7 +2155,7 @@
             <a:fld id="{6339AF51-4491-4873-A096-75DB6CE47516}" type="datetime1">
               <a:rPr lang="zh-TW" altLang="en-US" smtClean="0"/>
               <a:pPr/>
-              <a:t>2020/4/22</a:t>
+              <a:t>2020/6/16</a:t>
             </a:fld>
             <a:endParaRPr lang="zh-TW" altLang="en-US"/>
           </a:p>
@@ -2269,7 +2269,7 @@
             <a:fld id="{EE4AD9C8-8B9E-40FF-ABE2-858AC2057BBB}" type="datetime1">
               <a:rPr lang="zh-TW" altLang="en-US" smtClean="0"/>
               <a:pPr/>
-              <a:t>2020/4/22</a:t>
+              <a:t>2020/6/16</a:t>
             </a:fld>
             <a:endParaRPr lang="zh-TW" altLang="en-US"/>
           </a:p>
@@ -2361,7 +2361,7 @@
             <a:fld id="{B4784999-BBBE-4BE4-A8D0-877E7D1D66CC}" type="datetime1">
               <a:rPr lang="zh-TW" altLang="en-US" smtClean="0"/>
               <a:pPr/>
-              <a:t>2020/4/22</a:t>
+              <a:t>2020/6/16</a:t>
             </a:fld>
             <a:endParaRPr lang="zh-TW" altLang="en-US"/>
           </a:p>
@@ -2633,7 +2633,7 @@
             <a:fld id="{E88D17E6-02BD-4944-B9FE-7BFCCBF83D48}" type="datetime1">
               <a:rPr lang="zh-TW" altLang="en-US" smtClean="0"/>
               <a:pPr/>
-              <a:t>2020/4/22</a:t>
+              <a:t>2020/6/16</a:t>
             </a:fld>
             <a:endParaRPr lang="zh-TW" altLang="en-US"/>
           </a:p>
@@ -2882,7 +2882,7 @@
             <a:fld id="{3C13E23D-1FEF-4D78-A3A3-3D6F2BB31954}" type="datetime1">
               <a:rPr lang="zh-TW" altLang="en-US" smtClean="0"/>
               <a:pPr/>
-              <a:t>2020/4/22</a:t>
+              <a:t>2020/6/16</a:t>
             </a:fld>
             <a:endParaRPr lang="zh-TW" altLang="en-US"/>
           </a:p>
@@ -3090,7 +3090,7 @@
             <a:fld id="{06197F35-AD6F-4594-8B50-334492D2E7E8}" type="datetime1">
               <a:rPr lang="zh-TW" altLang="en-US" smtClean="0"/>
               <a:pPr/>
-              <a:t>2020/4/22</a:t>
+              <a:t>2020/6/16</a:t>
             </a:fld>
             <a:endParaRPr lang="zh-TW" altLang="en-US"/>
           </a:p>
@@ -3551,7 +3551,7 @@
             <a:fld id="{C389EDC9-19E3-47AC-9C57-C6A24DEA81AD}" type="datetime1">
               <a:rPr lang="zh-TW" altLang="en-US" smtClean="0"/>
               <a:pPr/>
-              <a:t>2020/4/22</a:t>
+              <a:t>2020/6/16</a:t>
             </a:fld>
             <a:endParaRPr lang="zh-TW" altLang="en-US"/>
           </a:p>
@@ -3695,7 +3695,7 @@
             <a:fld id="{C389EDC9-19E3-47AC-9C57-C6A24DEA81AD}" type="datetime1">
               <a:rPr lang="zh-TW" altLang="en-US" smtClean="0"/>
               <a:pPr/>
-              <a:t>2020/4/22</a:t>
+              <a:t>2020/6/16</a:t>
             </a:fld>
             <a:endParaRPr lang="zh-TW" altLang="en-US"/>
           </a:p>
@@ -4008,7 +4008,7 @@
             <a:fld id="{A4F910E6-8D00-4BAF-8C48-9688E0B449D3}" type="datetime1">
               <a:rPr lang="zh-TW" altLang="en-US" smtClean="0"/>
               <a:pPr/>
-              <a:t>2020/4/22</a:t>
+              <a:t>2020/6/16</a:t>
             </a:fld>
             <a:endParaRPr lang="zh-TW" altLang="en-US"/>
           </a:p>
@@ -4431,7 +4431,7 @@
             <a:fld id="{A4F910E6-8D00-4BAF-8C48-9688E0B449D3}" type="datetime1">
               <a:rPr lang="zh-TW" altLang="en-US" smtClean="0"/>
               <a:pPr/>
-              <a:t>2020/4/22</a:t>
+              <a:t>2020/6/16</a:t>
             </a:fld>
             <a:endParaRPr lang="zh-TW" altLang="en-US"/>
           </a:p>
@@ -4819,7 +4819,7 @@
             <a:fld id="{A4F910E6-8D00-4BAF-8C48-9688E0B449D3}" type="datetime1">
               <a:rPr lang="zh-TW" altLang="en-US" smtClean="0"/>
               <a:pPr/>
-              <a:t>2020/4/22</a:t>
+              <a:t>2020/6/16</a:t>
             </a:fld>
             <a:endParaRPr lang="zh-TW" altLang="en-US"/>
           </a:p>
@@ -5149,7 +5149,7 @@
             <a:fld id="{A4F910E6-8D00-4BAF-8C48-9688E0B449D3}" type="datetime1">
               <a:rPr lang="zh-TW" altLang="en-US" smtClean="0"/>
               <a:pPr/>
-              <a:t>2020/4/22</a:t>
+              <a:t>2020/6/16</a:t>
             </a:fld>
             <a:endParaRPr lang="zh-TW" altLang="en-US"/>
           </a:p>
@@ -5498,7 +5498,7 @@
             <a:fld id="{A4F910E6-8D00-4BAF-8C48-9688E0B449D3}" type="datetime1">
               <a:rPr lang="zh-TW" altLang="en-US" smtClean="0"/>
               <a:pPr/>
-              <a:t>2020/4/22</a:t>
+              <a:t>2020/6/16</a:t>
             </a:fld>
             <a:endParaRPr lang="zh-TW" altLang="en-US"/>
           </a:p>
@@ -5865,7 +5865,7 @@
             <a:fld id="{A4F910E6-8D00-4BAF-8C48-9688E0B449D3}" type="datetime1">
               <a:rPr lang="zh-TW" altLang="en-US" smtClean="0"/>
               <a:pPr/>
-              <a:t>2020/4/22</a:t>
+              <a:t>2020/6/16</a:t>
             </a:fld>
             <a:endParaRPr lang="zh-TW" altLang="en-US"/>
           </a:p>
@@ -6257,7 +6257,7 @@
             <a:fld id="{A4F910E6-8D00-4BAF-8C48-9688E0B449D3}" type="datetime1">
               <a:rPr lang="zh-TW" altLang="en-US" smtClean="0"/>
               <a:pPr/>
-              <a:t>2020/4/22</a:t>
+              <a:t>2020/6/16</a:t>
             </a:fld>
             <a:endParaRPr lang="zh-TW" altLang="en-US"/>
           </a:p>
@@ -6744,7 +6744,7 @@
             <a:fld id="{A4F910E6-8D00-4BAF-8C48-9688E0B449D3}" type="datetime1">
               <a:rPr lang="zh-TW" altLang="en-US" smtClean="0"/>
               <a:pPr/>
-              <a:t>2020/4/22</a:t>
+              <a:t>2020/6/16</a:t>
             </a:fld>
             <a:endParaRPr lang="zh-TW" altLang="en-US"/>
           </a:p>
@@ -6915,7 +6915,7 @@
             <a:fld id="{C389EDC9-19E3-47AC-9C57-C6A24DEA81AD}" type="datetime1">
               <a:rPr lang="zh-TW" altLang="en-US" smtClean="0"/>
               <a:pPr/>
-              <a:t>2020/4/22</a:t>
+              <a:t>2020/6/16</a:t>
             </a:fld>
             <a:endParaRPr lang="zh-TW" altLang="en-US"/>
           </a:p>
@@ -7390,7 +7390,7 @@
             <a:fld id="{A4F910E6-8D00-4BAF-8C48-9688E0B449D3}" type="datetime1">
               <a:rPr lang="zh-TW" altLang="en-US" smtClean="0"/>
               <a:pPr/>
-              <a:t>2020/4/22</a:t>
+              <a:t>2020/6/16</a:t>
             </a:fld>
             <a:endParaRPr lang="zh-TW" altLang="en-US"/>
           </a:p>
@@ -7674,7 +7674,7 @@
             <a:fld id="{A4F910E6-8D00-4BAF-8C48-9688E0B449D3}" type="datetime1">
               <a:rPr lang="zh-TW" altLang="en-US" smtClean="0"/>
               <a:pPr/>
-              <a:t>2020/4/22</a:t>
+              <a:t>2020/6/16</a:t>
             </a:fld>
             <a:endParaRPr lang="zh-TW" altLang="en-US"/>
           </a:p>
@@ -7908,7 +7908,7 @@
             <a:fld id="{C389EDC9-19E3-47AC-9C57-C6A24DEA81AD}" type="datetime1">
               <a:rPr lang="zh-TW" altLang="en-US" smtClean="0"/>
               <a:pPr/>
-              <a:t>2020/4/22</a:t>
+              <a:t>2020/6/16</a:t>
             </a:fld>
             <a:endParaRPr lang="zh-TW" altLang="en-US"/>
           </a:p>
@@ -8281,7 +8281,7 @@
             <a:fld id="{A4F910E6-8D00-4BAF-8C48-9688E0B449D3}" type="datetime1">
               <a:rPr lang="zh-TW" altLang="en-US" smtClean="0"/>
               <a:pPr/>
-              <a:t>2020/4/22</a:t>
+              <a:t>2020/6/16</a:t>
             </a:fld>
             <a:endParaRPr lang="zh-TW" altLang="en-US"/>
           </a:p>
@@ -8631,7 +8631,7 @@
             <a:fld id="{A4F910E6-8D00-4BAF-8C48-9688E0B449D3}" type="datetime1">
               <a:rPr lang="zh-TW" altLang="en-US" smtClean="0"/>
               <a:pPr/>
-              <a:t>2020/4/22</a:t>
+              <a:t>2020/6/16</a:t>
             </a:fld>
             <a:endParaRPr lang="zh-TW" altLang="en-US"/>
           </a:p>
@@ -8955,7 +8955,7 @@
             <a:fld id="{A4F910E6-8D00-4BAF-8C48-9688E0B449D3}" type="datetime1">
               <a:rPr lang="zh-TW" altLang="en-US" smtClean="0"/>
               <a:pPr/>
-              <a:t>2020/4/22</a:t>
+              <a:t>2020/6/16</a:t>
             </a:fld>
             <a:endParaRPr lang="zh-TW" altLang="en-US"/>
           </a:p>
@@ -9305,7 +9305,7 @@
             <a:fld id="{A4F910E6-8D00-4BAF-8C48-9688E0B449D3}" type="datetime1">
               <a:rPr lang="zh-TW" altLang="en-US" smtClean="0"/>
               <a:pPr/>
-              <a:t>2020/4/22</a:t>
+              <a:t>2020/6/16</a:t>
             </a:fld>
             <a:endParaRPr lang="zh-TW" altLang="en-US"/>
           </a:p>
@@ -9660,7 +9660,7 @@
             <a:fld id="{A4F910E6-8D00-4BAF-8C48-9688E0B449D3}" type="datetime1">
               <a:rPr lang="zh-TW" altLang="en-US" smtClean="0"/>
               <a:pPr/>
-              <a:t>2020/4/22</a:t>
+              <a:t>2020/6/16</a:t>
             </a:fld>
             <a:endParaRPr lang="zh-TW" altLang="en-US"/>
           </a:p>
@@ -10007,7 +10007,7 @@
             <a:fld id="{A4F910E6-8D00-4BAF-8C48-9688E0B449D3}" type="datetime1">
               <a:rPr lang="zh-TW" altLang="en-US" smtClean="0"/>
               <a:pPr/>
-              <a:t>2020/4/22</a:t>
+              <a:t>2020/6/16</a:t>
             </a:fld>
             <a:endParaRPr lang="zh-TW" altLang="en-US"/>
           </a:p>
@@ -10672,7 +10672,7 @@
             <a:fld id="{A4F910E6-8D00-4BAF-8C48-9688E0B449D3}" type="datetime1">
               <a:rPr lang="zh-TW" altLang="en-US" smtClean="0"/>
               <a:pPr/>
-              <a:t>2020/4/22</a:t>
+              <a:t>2020/6/16</a:t>
             </a:fld>
             <a:endParaRPr lang="zh-TW" altLang="en-US"/>
           </a:p>
@@ -11053,7 +11053,7 @@
             <a:fld id="{A4F910E6-8D00-4BAF-8C48-9688E0B449D3}" type="datetime1">
               <a:rPr lang="zh-TW" altLang="en-US" smtClean="0"/>
               <a:pPr/>
-              <a:t>2020/4/22</a:t>
+              <a:t>2020/6/16</a:t>
             </a:fld>
             <a:endParaRPr lang="zh-TW" altLang="en-US"/>
           </a:p>
@@ -11207,7 +11207,7 @@
             <a:fld id="{C389EDC9-19E3-47AC-9C57-C6A24DEA81AD}" type="datetime1">
               <a:rPr lang="zh-TW" altLang="en-US" smtClean="0"/>
               <a:pPr/>
-              <a:t>2020/4/22</a:t>
+              <a:t>2020/6/16</a:t>
             </a:fld>
             <a:endParaRPr lang="zh-TW" altLang="en-US"/>
           </a:p>
@@ -11575,7 +11575,7 @@
             <a:fld id="{A4F910E6-8D00-4BAF-8C48-9688E0B449D3}" type="datetime1">
               <a:rPr lang="zh-TW" altLang="en-US" smtClean="0"/>
               <a:pPr/>
-              <a:t>2020/4/22</a:t>
+              <a:t>2020/6/16</a:t>
             </a:fld>
             <a:endParaRPr lang="zh-TW" altLang="en-US"/>
           </a:p>
@@ -11912,7 +11912,7 @@
             <a:fld id="{A4F910E6-8D00-4BAF-8C48-9688E0B449D3}" type="datetime1">
               <a:rPr lang="zh-TW" altLang="en-US" smtClean="0"/>
               <a:pPr/>
-              <a:t>2020/4/22</a:t>
+              <a:t>2020/6/16</a:t>
             </a:fld>
             <a:endParaRPr lang="zh-TW" altLang="en-US"/>
           </a:p>
@@ -12031,7 +12031,7 @@
             <a:fld id="{C389EDC9-19E3-47AC-9C57-C6A24DEA81AD}" type="datetime1">
               <a:rPr lang="zh-TW" altLang="en-US" smtClean="0"/>
               <a:pPr/>
-              <a:t>2020/4/22</a:t>
+              <a:t>2020/6/16</a:t>
             </a:fld>
             <a:endParaRPr lang="zh-TW" altLang="en-US"/>
           </a:p>
@@ -12363,7 +12363,7 @@
             <a:fld id="{A4F910E6-8D00-4BAF-8C48-9688E0B449D3}" type="datetime1">
               <a:rPr lang="zh-TW" altLang="en-US" smtClean="0"/>
               <a:pPr/>
-              <a:t>2020/4/22</a:t>
+              <a:t>2020/6/16</a:t>
             </a:fld>
             <a:endParaRPr lang="zh-TW" altLang="en-US"/>
           </a:p>
@@ -12517,7 +12517,7 @@
             <a:fld id="{C389EDC9-19E3-47AC-9C57-C6A24DEA81AD}" type="datetime1">
               <a:rPr lang="zh-TW" altLang="en-US" smtClean="0"/>
               <a:pPr/>
-              <a:t>2020/4/22</a:t>
+              <a:t>2020/6/16</a:t>
             </a:fld>
             <a:endParaRPr lang="zh-TW" altLang="en-US"/>
           </a:p>
@@ -12893,7 +12893,7 @@
             <a:fld id="{A4F910E6-8D00-4BAF-8C48-9688E0B449D3}" type="datetime1">
               <a:rPr lang="zh-TW" altLang="en-US" smtClean="0"/>
               <a:pPr/>
-              <a:t>2020/4/22</a:t>
+              <a:t>2020/6/16</a:t>
             </a:fld>
             <a:endParaRPr lang="zh-TW" altLang="en-US"/>
           </a:p>
@@ -13300,7 +13300,7 @@
             <a:fld id="{A4F910E6-8D00-4BAF-8C48-9688E0B449D3}" type="datetime1">
               <a:rPr lang="zh-TW" altLang="en-US" smtClean="0"/>
               <a:pPr/>
-              <a:t>2020/4/22</a:t>
+              <a:t>2020/6/16</a:t>
             </a:fld>
             <a:endParaRPr lang="zh-TW" altLang="en-US"/>
           </a:p>
@@ -13506,7 +13506,7 @@
             <a:fld id="{C389EDC9-19E3-47AC-9C57-C6A24DEA81AD}" type="datetime1">
               <a:rPr lang="zh-TW" altLang="en-US" smtClean="0"/>
               <a:pPr/>
-              <a:t>2020/4/22</a:t>
+              <a:t>2020/6/16</a:t>
             </a:fld>
             <a:endParaRPr lang="zh-TW" altLang="en-US"/>
           </a:p>
@@ -13891,7 +13891,7 @@
             <a:fld id="{A4F910E6-8D00-4BAF-8C48-9688E0B449D3}" type="datetime1">
               <a:rPr lang="zh-TW" altLang="en-US" smtClean="0"/>
               <a:pPr/>
-              <a:t>2020/4/22</a:t>
+              <a:t>2020/6/16</a:t>
             </a:fld>
             <a:endParaRPr lang="zh-TW" altLang="en-US"/>
           </a:p>
@@ -14263,7 +14263,7 @@
             <a:fld id="{A4F910E6-8D00-4BAF-8C48-9688E0B449D3}" type="datetime1">
               <a:rPr lang="zh-TW" altLang="en-US" smtClean="0"/>
               <a:pPr/>
-              <a:t>2020/4/22</a:t>
+              <a:t>2020/6/16</a:t>
             </a:fld>
             <a:endParaRPr lang="zh-TW" altLang="en-US"/>
           </a:p>
@@ -14581,7 +14581,7 @@
             <a:fld id="{A4F910E6-8D00-4BAF-8C48-9688E0B449D3}" type="datetime1">
               <a:rPr lang="zh-TW" altLang="en-US" smtClean="0"/>
               <a:pPr/>
-              <a:t>2020/4/22</a:t>
+              <a:t>2020/6/16</a:t>
             </a:fld>
             <a:endParaRPr lang="zh-TW" altLang="en-US"/>
           </a:p>
@@ -14892,7 +14892,23 @@
                   <a:schemeClr val="tx1"/>
                 </a:solidFill>
               </a:rPr>
-              <a:t>3. Control Panel &gt; Programs &gt; Turn Windows features </a:t>
+              <a:t>3. Control Panel &gt; Programs </a:t>
+            </a:r>
+            <a:r>
+              <a:rPr lang="en-US" sz="1800">
+                <a:solidFill>
+                  <a:schemeClr val="tx1"/>
+                </a:solidFill>
+              </a:rPr>
+              <a:t>and Features &gt; </a:t>
+            </a:r>
+            <a:r>
+              <a:rPr lang="en-US" sz="1800" dirty="0">
+                <a:solidFill>
+                  <a:schemeClr val="tx1"/>
+                </a:solidFill>
+              </a:rPr>
+              <a:t>Turn Windows features </a:t>
             </a:r>
             <a:r>
               <a:rPr lang="en-US" sz="1800" b="1" dirty="0">
@@ -15294,7 +15310,7 @@
             <a:fld id="{A4F910E6-8D00-4BAF-8C48-9688E0B449D3}" type="datetime1">
               <a:rPr lang="zh-TW" altLang="en-US" smtClean="0"/>
               <a:pPr/>
-              <a:t>2020/4/22</a:t>
+              <a:t>2020/6/16</a:t>
             </a:fld>
             <a:endParaRPr lang="zh-TW" altLang="en-US"/>
           </a:p>
@@ -15471,7 +15487,7 @@
             <a:fld id="{4E46BE27-E923-4EC2-B046-3272AE2A3E5C}" type="datetime1">
               <a:rPr lang="zh-TW" altLang="en-US" smtClean="0"/>
               <a:pPr/>
-              <a:t>2020/4/22</a:t>
+              <a:t>2020/6/16</a:t>
             </a:fld>
             <a:endParaRPr lang="zh-TW" altLang="en-US"/>
           </a:p>
@@ -15585,7 +15601,7 @@
             <a:fld id="{C389EDC9-19E3-47AC-9C57-C6A24DEA81AD}" type="datetime1">
               <a:rPr lang="zh-TW" altLang="en-US" smtClean="0"/>
               <a:pPr/>
-              <a:t>2020/4/22</a:t>
+              <a:t>2020/6/16</a:t>
             </a:fld>
             <a:endParaRPr lang="zh-TW" altLang="en-US"/>
           </a:p>
@@ -15935,7 +15951,7 @@
             <a:fld id="{A4F910E6-8D00-4BAF-8C48-9688E0B449D3}" type="datetime1">
               <a:rPr lang="zh-TW" altLang="en-US" smtClean="0"/>
               <a:pPr/>
-              <a:t>2020/4/22</a:t>
+              <a:t>2020/6/16</a:t>
             </a:fld>
             <a:endParaRPr lang="zh-TW" altLang="en-US"/>
           </a:p>
@@ -16323,7 +16339,7 @@
             <a:fld id="{A4F910E6-8D00-4BAF-8C48-9688E0B449D3}" type="datetime1">
               <a:rPr lang="zh-TW" altLang="en-US" smtClean="0"/>
               <a:pPr/>
-              <a:t>2020/4/22</a:t>
+              <a:t>2020/6/16</a:t>
             </a:fld>
             <a:endParaRPr lang="zh-TW" altLang="en-US"/>
           </a:p>
@@ -16494,7 +16510,7 @@
             <a:fld id="{C389EDC9-19E3-47AC-9C57-C6A24DEA81AD}" type="datetime1">
               <a:rPr lang="zh-TW" altLang="en-US" smtClean="0"/>
               <a:pPr/>
-              <a:t>2020/4/22</a:t>
+              <a:t>2020/6/16</a:t>
             </a:fld>
             <a:endParaRPr lang="zh-TW" altLang="en-US"/>
           </a:p>
@@ -16890,7 +16906,7 @@
             <a:fld id="{A4F910E6-8D00-4BAF-8C48-9688E0B449D3}" type="datetime1">
               <a:rPr lang="zh-TW" altLang="en-US" smtClean="0"/>
               <a:pPr/>
-              <a:t>2020/4/22</a:t>
+              <a:t>2020/6/16</a:t>
             </a:fld>
             <a:endParaRPr lang="zh-TW" altLang="en-US"/>
           </a:p>
